--- a/slides/Python_Workshop_5.pptx
+++ b/slides/Python_Workshop_5.pptx
@@ -119,6 +119,11 @@
       </a:defRPr>
     </a:lvl9pPr>
   </p:defaultTextStyle>
+  <p:extLst>
+    <p:ext uri="{EFAFB233-063F-42B5-8137-9DF3F51BA10A}">
+      <p15:sldGuideLst xmlns:p15="http://schemas.microsoft.com/office/powerpoint/2012/main"/>
+    </p:ext>
+  </p:extLst>
 </p:presentation>
 </file>
 
@@ -3858,6 +3863,13 @@
               </a:rPr>
               <a:t> </a:t>
             </a:r>
+            <a:r>
+              <a:rPr lang="en-US" altLang="zh-TW" sz="2800" dirty="0">
+                <a:latin typeface="標楷體" panose="03000509000000000000" pitchFamily="65" charset="-120"/>
+                <a:ea typeface="標楷體" panose="03000509000000000000" pitchFamily="65" charset="-120"/>
+              </a:rPr>
+              <a:t/>
+            </a:r>
             <a:br>
               <a:rPr lang="en-US" altLang="zh-TW" sz="2800" dirty="0">
                 <a:latin typeface="標楷體" panose="03000509000000000000" pitchFamily="65" charset="-120"/>
@@ -4734,6 +4746,20 @@
               </a:rPr>
               <a:t>長度 至少 8 個字元。</a:t>
             </a:r>
+            <a:r>
+              <a:rPr kumimoji="0" lang="en-US" altLang="zh-TW" sz="2400" i="0" u="none" strike="noStrike" cap="none" normalizeH="0" baseline="0" dirty="0">
+                <a:ln>
+                  <a:noFill/>
+                </a:ln>
+                <a:solidFill>
+                  <a:schemeClr val="tx1"/>
+                </a:solidFill>
+                <a:effectLst/>
+                <a:latin typeface="標楷體" panose="03000509000000000000" pitchFamily="65" charset="-120"/>
+                <a:ea typeface="標楷體" panose="03000509000000000000" pitchFamily="65" charset="-120"/>
+              </a:rPr>
+              <a:t/>
+            </a:r>
             <a:br>
               <a:rPr kumimoji="0" lang="en-US" altLang="zh-TW" sz="2400" i="0" u="none" strike="noStrike" cap="none" normalizeH="0" baseline="0" dirty="0">
                 <a:ln>
@@ -5027,6 +5053,20 @@
                 <a:ea typeface="標楷體" panose="03000509000000000000" pitchFamily="65" charset="-120"/>
               </a:rPr>
               <a:t>有一個以上的違規，要都提示到</a:t>
+            </a:r>
+            <a:r>
+              <a:rPr kumimoji="0" lang="en-US" altLang="zh-TW" sz="2400" i="0" u="none" strike="noStrike" cap="none" normalizeH="0" baseline="0" dirty="0">
+                <a:ln>
+                  <a:noFill/>
+                </a:ln>
+                <a:solidFill>
+                  <a:schemeClr val="tx1"/>
+                </a:solidFill>
+                <a:effectLst/>
+                <a:latin typeface="標楷體" panose="03000509000000000000" pitchFamily="65" charset="-120"/>
+                <a:ea typeface="標楷體" panose="03000509000000000000" pitchFamily="65" charset="-120"/>
+              </a:rPr>
+              <a:t/>
             </a:r>
             <a:br>
               <a:rPr kumimoji="0" lang="en-US" altLang="zh-TW" sz="2400" i="0" u="none" strike="noStrike" cap="none" normalizeH="0" baseline="0" dirty="0">
@@ -5216,7 +5256,7 @@
         <p:spPr bwMode="auto">
           <a:xfrm>
             <a:off x="838200" y="1398858"/>
-            <a:ext cx="9571851" cy="2862322"/>
+            <a:ext cx="9571851" cy="3970318"/>
           </a:xfrm>
           <a:prstGeom prst="rect">
             <a:avLst/>
@@ -5264,21 +5304,13 @@
           </a:bodyPr>
           <a:lstStyle/>
           <a:p>
-            <a:pPr marL="0" marR="0" lvl="0" indent="0" algn="l" defTabSz="914400" rtl="0" eaLnBrk="0" fontAlgn="base" latinLnBrk="0" hangingPunct="0">
-              <a:lnSpc>
-                <a:spcPct val="100000"/>
-              </a:lnSpc>
+            <a:pPr lvl="0" eaLnBrk="0" fontAlgn="base" hangingPunct="0">
               <a:spcBef>
                 <a:spcPct val="0"/>
               </a:spcBef>
               <a:spcAft>
                 <a:spcPct val="0"/>
               </a:spcAft>
-              <a:buClrTx/>
-              <a:buSzTx/>
-              <a:buFontTx/>
-              <a:buNone/>
-              <a:tabLst/>
             </a:pPr>
             <a:r>
               <a:rPr lang="zh-TW" altLang="en-US" sz="2400" dirty="0">
@@ -5356,12 +5388,26 @@
               </a:rPr>
               <a:t> 中放有要讀取的五個檔案</a:t>
             </a:r>
+            <a:r>
+              <a:rPr lang="en-US" altLang="zh-TW" sz="2400" dirty="0">
+                <a:latin typeface="標楷體" panose="03000509000000000000" pitchFamily="65" charset="-120"/>
+                <a:ea typeface="標楷體" panose="03000509000000000000" pitchFamily="65" charset="-120"/>
+              </a:rPr>
+              <a:t/>
+            </a:r>
             <a:br>
               <a:rPr lang="en-US" altLang="zh-TW" sz="2400" dirty="0">
                 <a:latin typeface="標楷體" panose="03000509000000000000" pitchFamily="65" charset="-120"/>
                 <a:ea typeface="標楷體" panose="03000509000000000000" pitchFamily="65" charset="-120"/>
               </a:rPr>
             </a:br>
+            <a:r>
+              <a:rPr lang="en-US" altLang="zh-TW" sz="2400" dirty="0">
+                <a:latin typeface="標楷體" panose="03000509000000000000" pitchFamily="65" charset="-120"/>
+                <a:ea typeface="標楷體" panose="03000509000000000000" pitchFamily="65" charset="-120"/>
+              </a:rPr>
+              <a:t/>
+            </a:r>
             <a:br>
               <a:rPr lang="en-US" altLang="zh-TW" sz="2400" dirty="0">
                 <a:latin typeface="標楷體" panose="03000509000000000000" pitchFamily="65" charset="-120"/>
@@ -5451,12 +5497,26 @@
               </a:rPr>
               <a:t>檔案中密碼的進行檢查</a:t>
             </a:r>
+            <a:r>
+              <a:rPr lang="en-US" altLang="zh-TW" sz="2400" dirty="0">
+                <a:latin typeface="標楷體" panose="03000509000000000000" pitchFamily="65" charset="-120"/>
+                <a:ea typeface="標楷體" panose="03000509000000000000" pitchFamily="65" charset="-120"/>
+              </a:rPr>
+              <a:t/>
+            </a:r>
             <a:br>
               <a:rPr lang="en-US" altLang="zh-TW" sz="2400" dirty="0">
                 <a:latin typeface="標楷體" panose="03000509000000000000" pitchFamily="65" charset="-120"/>
                 <a:ea typeface="標楷體" panose="03000509000000000000" pitchFamily="65" charset="-120"/>
               </a:rPr>
             </a:br>
+            <a:r>
+              <a:rPr lang="en-US" altLang="zh-TW" sz="2400" dirty="0">
+                <a:latin typeface="標楷體" panose="03000509000000000000" pitchFamily="65" charset="-120"/>
+                <a:ea typeface="標楷體" panose="03000509000000000000" pitchFamily="65" charset="-120"/>
+              </a:rPr>
+              <a:t/>
+            </a:r>
             <a:br>
               <a:rPr lang="en-US" altLang="zh-TW" sz="2400" dirty="0">
                 <a:latin typeface="標楷體" panose="03000509000000000000" pitchFamily="65" charset="-120"/>
@@ -5471,16 +5531,128 @@
                 <a:latin typeface="標楷體" panose="03000509000000000000" pitchFamily="65" charset="-120"/>
                 <a:ea typeface="標楷體" panose="03000509000000000000" pitchFamily="65" charset="-120"/>
               </a:rPr>
-              <a:t>！！！不可以更動檔案位置！！！</a:t>
-            </a:r>
-            <a:endParaRPr kumimoji="0" lang="en-US" altLang="zh-TW" sz="2400" b="1" i="0" u="none" strike="noStrike" cap="none" normalizeH="0" baseline="0" dirty="0">
-              <a:ln>
-                <a:noFill/>
-              </a:ln>
+              <a:t>！！！不可以更動檔案位置！！</a:t>
+            </a:r>
+            <a:r>
+              <a:rPr lang="zh-TW" altLang="en-US" sz="3600" b="1" dirty="0" smtClean="0">
+                <a:solidFill>
+                  <a:srgbClr val="FF0000"/>
+                </a:solidFill>
+                <a:latin typeface="標楷體" panose="03000509000000000000" pitchFamily="65" charset="-120"/>
+                <a:ea typeface="標楷體" panose="03000509000000000000" pitchFamily="65" charset="-120"/>
+              </a:rPr>
+              <a:t>！</a:t>
+            </a:r>
+            <a:r>
+              <a:rPr lang="en-US" altLang="zh-TW" sz="3600" b="1" dirty="0" smtClean="0">
+                <a:solidFill>
+                  <a:srgbClr val="FF0000"/>
+                </a:solidFill>
+                <a:latin typeface="標楷體" panose="03000509000000000000" pitchFamily="65" charset="-120"/>
+                <a:ea typeface="標楷體" panose="03000509000000000000" pitchFamily="65" charset="-120"/>
+              </a:rPr>
+              <a:t/>
+            </a:r>
+            <a:br>
+              <a:rPr lang="en-US" altLang="zh-TW" sz="3600" b="1" dirty="0" smtClean="0">
+                <a:solidFill>
+                  <a:srgbClr val="FF0000"/>
+                </a:solidFill>
+                <a:latin typeface="標楷體" panose="03000509000000000000" pitchFamily="65" charset="-120"/>
+                <a:ea typeface="標楷體" panose="03000509000000000000" pitchFamily="65" charset="-120"/>
+              </a:rPr>
+            </a:br>
+            <a:r>
+              <a:rPr lang="zh-TW" altLang="en-US" sz="3600" b="1" dirty="0" smtClean="0">
+                <a:solidFill>
+                  <a:srgbClr val="FF0000"/>
+                </a:solidFill>
+                <a:latin typeface="標楷體" panose="03000509000000000000" pitchFamily="65" charset="-120"/>
+                <a:ea typeface="標楷體" panose="03000509000000000000" pitchFamily="65" charset="-120"/>
+              </a:rPr>
+              <a:t>！！！請用迴圈自動讀取檔案</a:t>
+            </a:r>
+            <a:r>
+              <a:rPr lang="zh-TW" altLang="en-US" sz="3600" b="1" dirty="0">
+                <a:solidFill>
+                  <a:srgbClr val="FF0000"/>
+                </a:solidFill>
+                <a:latin typeface="標楷體" panose="03000509000000000000" pitchFamily="65" charset="-120"/>
+                <a:ea typeface="標楷體" panose="03000509000000000000" pitchFamily="65" charset="-120"/>
+              </a:rPr>
+              <a:t>！</a:t>
+            </a:r>
+            <a:r>
+              <a:rPr lang="zh-TW" altLang="en-US" sz="3600" b="1" dirty="0" smtClean="0">
+                <a:solidFill>
+                  <a:srgbClr val="FF0000"/>
+                </a:solidFill>
+                <a:latin typeface="標楷體" panose="03000509000000000000" pitchFamily="65" charset="-120"/>
+                <a:ea typeface="標楷體" panose="03000509000000000000" pitchFamily="65" charset="-120"/>
+              </a:rPr>
+              <a:t>！！</a:t>
+            </a:r>
+            <a:endParaRPr lang="en-US" altLang="zh-TW" sz="3600" b="1" dirty="0" smtClean="0">
               <a:solidFill>
                 <a:srgbClr val="FF0000"/>
               </a:solidFill>
-              <a:effectLst/>
+              <a:latin typeface="標楷體" panose="03000509000000000000" pitchFamily="65" charset="-120"/>
+              <a:ea typeface="標楷體" panose="03000509000000000000" pitchFamily="65" charset="-120"/>
+            </a:endParaRPr>
+          </a:p>
+          <a:p>
+            <a:pPr lvl="0" eaLnBrk="0" fontAlgn="base" hangingPunct="0">
+              <a:spcBef>
+                <a:spcPct val="0"/>
+              </a:spcBef>
+              <a:spcAft>
+                <a:spcPct val="0"/>
+              </a:spcAft>
+            </a:pPr>
+            <a:r>
+              <a:rPr lang="zh-TW" altLang="en-US" sz="3600" b="1" dirty="0">
+                <a:solidFill>
+                  <a:srgbClr val="FF0000"/>
+                </a:solidFill>
+                <a:latin typeface="標楷體" panose="03000509000000000000" pitchFamily="65" charset="-120"/>
+                <a:ea typeface="標楷體" panose="03000509000000000000" pitchFamily="65" charset="-120"/>
+              </a:rPr>
+              <a:t>！！！記得</a:t>
+            </a:r>
+            <a:r>
+              <a:rPr lang="zh-TW" altLang="en-US" sz="3600" b="1" dirty="0" smtClean="0">
+                <a:solidFill>
+                  <a:srgbClr val="FF0000"/>
+                </a:solidFill>
+                <a:latin typeface="標楷體" panose="03000509000000000000" pitchFamily="65" charset="-120"/>
+                <a:ea typeface="標楷體" panose="03000509000000000000" pitchFamily="65" charset="-120"/>
+              </a:rPr>
+              <a:t>附上 </a:t>
+            </a:r>
+            <a:r>
+              <a:rPr lang="en-US" altLang="zh-TW" sz="3600" b="1" dirty="0" smtClean="0">
+                <a:solidFill>
+                  <a:srgbClr val="FF0000"/>
+                </a:solidFill>
+                <a:latin typeface="標楷體" panose="03000509000000000000" pitchFamily="65" charset="-120"/>
+                <a:ea typeface="標楷體" panose="03000509000000000000" pitchFamily="65" charset="-120"/>
+              </a:rPr>
+              <a:t>workflow</a:t>
+            </a:r>
+            <a:r>
+              <a:rPr lang="zh-TW" altLang="en-US" sz="3600" b="1" dirty="0" smtClean="0">
+                <a:solidFill>
+                  <a:srgbClr val="FF0000"/>
+                </a:solidFill>
+                <a:latin typeface="標楷體" panose="03000509000000000000" pitchFamily="65" charset="-120"/>
+                <a:ea typeface="標楷體" panose="03000509000000000000" pitchFamily="65" charset="-120"/>
+              </a:rPr>
+              <a:t>！！！</a:t>
+            </a:r>
+            <a:endParaRPr lang="en-US" altLang="zh-TW" sz="3600" b="1" dirty="0">
+              <a:solidFill>
+                <a:srgbClr val="FF0000"/>
+              </a:solidFill>
               <a:latin typeface="標楷體" panose="03000509000000000000" pitchFamily="65" charset="-120"/>
               <a:ea typeface="標楷體" panose="03000509000000000000" pitchFamily="65" charset="-120"/>
             </a:endParaRPr>
@@ -5752,6 +5924,20 @@
                 <a:ea typeface="標楷體" panose="03000509000000000000" pitchFamily="65" charset="-120"/>
               </a:rPr>
               <a:t>長度 至少 8 個字元。</a:t>
+            </a:r>
+            <a:r>
+              <a:rPr kumimoji="0" lang="en-US" altLang="zh-TW" sz="2400" i="0" u="none" strike="noStrike" cap="none" normalizeH="0" baseline="0" dirty="0">
+                <a:ln>
+                  <a:noFill/>
+                </a:ln>
+                <a:solidFill>
+                  <a:schemeClr val="tx1"/>
+                </a:solidFill>
+                <a:effectLst/>
+                <a:latin typeface="標楷體" panose="03000509000000000000" pitchFamily="65" charset="-120"/>
+                <a:ea typeface="標楷體" panose="03000509000000000000" pitchFamily="65" charset="-120"/>
+              </a:rPr>
+              <a:t/>
             </a:r>
             <a:br>
               <a:rPr kumimoji="0" lang="en-US" altLang="zh-TW" sz="2400" i="0" u="none" strike="noStrike" cap="none" normalizeH="0" baseline="0" dirty="0">
@@ -6275,12 +6461,26 @@
               </a:rPr>
               <a:t>個字元</a:t>
             </a:r>
+            <a:r>
+              <a:rPr lang="en-US" altLang="zh-TW" sz="2000" dirty="0">
+                <a:latin typeface="標楷體" panose="03000509000000000000" pitchFamily="65" charset="-120"/>
+                <a:ea typeface="標楷體" panose="03000509000000000000" pitchFamily="65" charset="-120"/>
+              </a:rPr>
+              <a:t/>
+            </a:r>
             <a:br>
               <a:rPr lang="en-US" altLang="zh-TW" sz="2000" dirty="0">
                 <a:latin typeface="標楷體" panose="03000509000000000000" pitchFamily="65" charset="-120"/>
                 <a:ea typeface="標楷體" panose="03000509000000000000" pitchFamily="65" charset="-120"/>
               </a:rPr>
             </a:br>
+            <a:r>
+              <a:rPr lang="en-US" altLang="zh-TW" sz="2000" dirty="0">
+                <a:latin typeface="標楷體" panose="03000509000000000000" pitchFamily="65" charset="-120"/>
+                <a:ea typeface="標楷體" panose="03000509000000000000" pitchFamily="65" charset="-120"/>
+              </a:rPr>
+              <a:t/>
+            </a:r>
             <a:br>
               <a:rPr lang="en-US" altLang="zh-TW" sz="2000" dirty="0">
                 <a:latin typeface="標楷體" panose="03000509000000000000" pitchFamily="65" charset="-120"/>
@@ -6314,12 +6514,26 @@
               </a:rPr>
               <a:t>密碼第一個字元須為英文字母</a:t>
             </a:r>
+            <a:r>
+              <a:rPr lang="en-US" altLang="zh-TW" sz="2000" dirty="0">
+                <a:latin typeface="標楷體" panose="03000509000000000000" pitchFamily="65" charset="-120"/>
+                <a:ea typeface="標楷體" panose="03000509000000000000" pitchFamily="65" charset="-120"/>
+              </a:rPr>
+              <a:t/>
+            </a:r>
             <a:br>
               <a:rPr lang="en-US" altLang="zh-TW" sz="2000" dirty="0">
                 <a:latin typeface="標楷體" panose="03000509000000000000" pitchFamily="65" charset="-120"/>
                 <a:ea typeface="標楷體" panose="03000509000000000000" pitchFamily="65" charset="-120"/>
               </a:rPr>
             </a:br>
+            <a:r>
+              <a:rPr lang="en-US" altLang="zh-TW" sz="2000" dirty="0">
+                <a:latin typeface="標楷體" panose="03000509000000000000" pitchFamily="65" charset="-120"/>
+                <a:ea typeface="標楷體" panose="03000509000000000000" pitchFamily="65" charset="-120"/>
+              </a:rPr>
+              <a:t/>
+            </a:r>
             <a:br>
               <a:rPr lang="en-US" altLang="zh-TW" sz="2000" dirty="0">
                 <a:latin typeface="標楷體" panose="03000509000000000000" pitchFamily="65" charset="-120"/>
@@ -6333,6 +6547,13 @@
               </a:rPr>
               <a:t>input:abcdefghi</a:t>
             </a:r>
+            <a:r>
+              <a:rPr lang="en-US" altLang="zh-TW" sz="2000" dirty="0">
+                <a:latin typeface="標楷體" panose="03000509000000000000" pitchFamily="65" charset="-120"/>
+                <a:ea typeface="標楷體" panose="03000509000000000000" pitchFamily="65" charset="-120"/>
+              </a:rPr>
+              <a:t/>
+            </a:r>
             <a:br>
               <a:rPr lang="en-US" altLang="zh-TW" sz="2000" dirty="0">
                 <a:latin typeface="標楷體" panose="03000509000000000000" pitchFamily="65" charset="-120"/>
@@ -6353,12 +6574,26 @@
               </a:rPr>
               <a:t>密碼須包含至少一個數字</a:t>
             </a:r>
+            <a:r>
+              <a:rPr lang="en-US" altLang="zh-TW" sz="2000" dirty="0">
+                <a:latin typeface="標楷體" panose="03000509000000000000" pitchFamily="65" charset="-120"/>
+                <a:ea typeface="標楷體" panose="03000509000000000000" pitchFamily="65" charset="-120"/>
+              </a:rPr>
+              <a:t/>
+            </a:r>
             <a:br>
               <a:rPr lang="en-US" altLang="zh-TW" sz="2000" dirty="0">
                 <a:latin typeface="標楷體" panose="03000509000000000000" pitchFamily="65" charset="-120"/>
                 <a:ea typeface="標楷體" panose="03000509000000000000" pitchFamily="65" charset="-120"/>
               </a:rPr>
             </a:br>
+            <a:r>
+              <a:rPr lang="en-US" altLang="zh-TW" sz="2000" dirty="0">
+                <a:latin typeface="標楷體" panose="03000509000000000000" pitchFamily="65" charset="-120"/>
+                <a:ea typeface="標楷體" panose="03000509000000000000" pitchFamily="65" charset="-120"/>
+              </a:rPr>
+              <a:t/>
+            </a:r>
             <a:br>
               <a:rPr lang="en-US" altLang="zh-TW" sz="2000" dirty="0">
                 <a:latin typeface="標楷體" panose="03000509000000000000" pitchFamily="65" charset="-120"/>
@@ -6406,12 +6641,26 @@
               </a:rPr>
               <a:t>結尾</a:t>
             </a:r>
+            <a:r>
+              <a:rPr lang="en-US" altLang="zh-TW" sz="2000" dirty="0">
+                <a:latin typeface="標楷體" panose="03000509000000000000" pitchFamily="65" charset="-120"/>
+                <a:ea typeface="標楷體" panose="03000509000000000000" pitchFamily="65" charset="-120"/>
+              </a:rPr>
+              <a:t/>
+            </a:r>
             <a:br>
               <a:rPr lang="en-US" altLang="zh-TW" sz="2000" dirty="0">
                 <a:latin typeface="標楷體" panose="03000509000000000000" pitchFamily="65" charset="-120"/>
                 <a:ea typeface="標楷體" panose="03000509000000000000" pitchFamily="65" charset="-120"/>
               </a:rPr>
             </a:br>
+            <a:r>
+              <a:rPr lang="en-US" altLang="zh-TW" sz="2000" dirty="0">
+                <a:latin typeface="標楷體" panose="03000509000000000000" pitchFamily="65" charset="-120"/>
+                <a:ea typeface="標楷體" panose="03000509000000000000" pitchFamily="65" charset="-120"/>
+              </a:rPr>
+              <a:t/>
+            </a:r>
             <a:br>
               <a:rPr lang="en-US" altLang="zh-TW" sz="2000" dirty="0">
                 <a:latin typeface="標楷體" panose="03000509000000000000" pitchFamily="65" charset="-120"/>
@@ -6721,6 +6970,13 @@
               </a:rPr>
               <a:t> </a:t>
             </a:r>
+            <a:r>
+              <a:rPr lang="en-US" altLang="zh-TW" sz="2800" dirty="0">
+                <a:latin typeface="標楷體" panose="03000509000000000000" pitchFamily="65" charset="-120"/>
+                <a:ea typeface="標楷體" panose="03000509000000000000" pitchFamily="65" charset="-120"/>
+              </a:rPr>
+              <a:t/>
+            </a:r>
             <a:br>
               <a:rPr lang="en-US" altLang="zh-TW" sz="2800" dirty="0">
                 <a:latin typeface="標楷體" panose="03000509000000000000" pitchFamily="65" charset="-120"/>
@@ -7016,6 +7272,13 @@
               </a:rPr>
               <a:t> </a:t>
             </a:r>
+            <a:r>
+              <a:rPr lang="en-US" altLang="zh-TW" sz="2800" dirty="0">
+                <a:latin typeface="標楷體" panose="03000509000000000000" pitchFamily="65" charset="-120"/>
+                <a:ea typeface="標楷體" panose="03000509000000000000" pitchFamily="65" charset="-120"/>
+              </a:rPr>
+              <a:t/>
+            </a:r>
             <a:br>
               <a:rPr lang="en-US" altLang="zh-TW" sz="2800" dirty="0">
                 <a:latin typeface="標楷體" panose="03000509000000000000" pitchFamily="65" charset="-120"/>
@@ -7311,6 +7574,13 @@
               </a:rPr>
               <a:t> </a:t>
             </a:r>
+            <a:r>
+              <a:rPr lang="en-US" altLang="zh-TW" sz="2800" dirty="0">
+                <a:latin typeface="標楷體" panose="03000509000000000000" pitchFamily="65" charset="-120"/>
+                <a:ea typeface="標楷體" panose="03000509000000000000" pitchFamily="65" charset="-120"/>
+              </a:rPr>
+              <a:t/>
+            </a:r>
             <a:br>
               <a:rPr lang="en-US" altLang="zh-TW" sz="2800" dirty="0">
                 <a:latin typeface="標楷體" panose="03000509000000000000" pitchFamily="65" charset="-120"/>
@@ -7702,6 +7972,14 @@
                 <a:sym typeface="Wingdings" panose="05000000000000000000" pitchFamily="2" charset="2"/>
               </a:rPr>
             </a:br>
+            <a:r>
+              <a:rPr lang="en-US" altLang="zh-TW" sz="2800" dirty="0">
+                <a:latin typeface="標楷體" panose="03000509000000000000" pitchFamily="65" charset="-120"/>
+                <a:ea typeface="標楷體" panose="03000509000000000000" pitchFamily="65" charset="-120"/>
+                <a:sym typeface="Wingdings" panose="05000000000000000000" pitchFamily="2" charset="2"/>
+              </a:rPr>
+              <a:t/>
+            </a:r>
             <a:br>
               <a:rPr lang="en-US" altLang="zh-TW" sz="2800" dirty="0">
                 <a:latin typeface="標楷體" panose="03000509000000000000" pitchFamily="65" charset="-120"/>
@@ -7740,6 +8018,13 @@
                 <a:sym typeface="Wingdings" panose="05000000000000000000" pitchFamily="2" charset="2"/>
               </a:rPr>
               <a:t>[n]+1 ?</a:t>
+            </a:r>
+            <a:r>
+              <a:rPr lang="en-US" altLang="zh-TW" sz="2800" dirty="0">
+                <a:latin typeface="標楷體" panose="03000509000000000000" pitchFamily="65" charset="-120"/>
+                <a:ea typeface="標楷體" panose="03000509000000000000" pitchFamily="65" charset="-120"/>
+              </a:rPr>
+              <a:t/>
             </a:r>
             <a:br>
               <a:rPr lang="en-US" altLang="zh-TW" sz="2800" dirty="0">
